--- a/Conferencia-bases1.pptx
+++ b/Conferencia-bases1.pptx
@@ -6,19 +6,20 @@
   </p:sldMasterIdLst>
   <p:sldIdLst>
     <p:sldId id="269" r:id="rId2"/>
-    <p:sldId id="256" r:id="rId3"/>
-    <p:sldId id="257" r:id="rId4"/>
-    <p:sldId id="258" r:id="rId5"/>
-    <p:sldId id="259" r:id="rId6"/>
-    <p:sldId id="260" r:id="rId7"/>
-    <p:sldId id="261" r:id="rId8"/>
-    <p:sldId id="262" r:id="rId9"/>
-    <p:sldId id="263" r:id="rId10"/>
-    <p:sldId id="264" r:id="rId11"/>
-    <p:sldId id="265" r:id="rId12"/>
-    <p:sldId id="266" r:id="rId13"/>
-    <p:sldId id="268" r:id="rId14"/>
-    <p:sldId id="267" r:id="rId15"/>
+    <p:sldId id="270" r:id="rId3"/>
+    <p:sldId id="256" r:id="rId4"/>
+    <p:sldId id="257" r:id="rId5"/>
+    <p:sldId id="258" r:id="rId6"/>
+    <p:sldId id="259" r:id="rId7"/>
+    <p:sldId id="260" r:id="rId8"/>
+    <p:sldId id="261" r:id="rId9"/>
+    <p:sldId id="262" r:id="rId10"/>
+    <p:sldId id="263" r:id="rId11"/>
+    <p:sldId id="264" r:id="rId12"/>
+    <p:sldId id="265" r:id="rId13"/>
+    <p:sldId id="266" r:id="rId14"/>
+    <p:sldId id="268" r:id="rId15"/>
+    <p:sldId id="267" r:id="rId16"/>
   </p:sldIdLst>
   <p:sldSz cx="12192000" cy="6858000"/>
   <p:notesSz cx="6858000" cy="9144000"/>
@@ -117,7 +118,89 @@
       </a:defRPr>
     </a:lvl9pPr>
   </p:defaultTextStyle>
+  <p:extLst>
+    <p:ext uri="{EFAFB233-063F-42B5-8137-9DF3F51BA10A}">
+      <p15:sldGuideLst xmlns:p15="http://schemas.microsoft.com/office/powerpoint/2012/main"/>
+    </p:ext>
+  </p:extLst>
 </p:presentation>
+</file>
+
+<file path=ppt/revisionInfo.xml><?xml version="1.0" encoding="utf-8"?>
+<p1510:revInfo xmlns:a="http://schemas.openxmlformats.org/drawingml/2006/main" xmlns:r="http://schemas.openxmlformats.org/officeDocument/2006/relationships" xmlns:p1510="http://schemas.microsoft.com/office/powerpoint/2015/10/main">
+  <p1510:revLst>
+    <p1510:client id="{4937905A-159F-486A-AFC2-A57F3873001C}" v="1" dt="2024-10-01T15:23:52.151"/>
+  </p1510:revLst>
+</p1510:revInfo>
+</file>
+
+<file path=ppt/changesInfos/changesInfo1.xml><?xml version="1.0" encoding="utf-8"?>
+<pc:chgInfo xmlns:a="http://schemas.openxmlformats.org/drawingml/2006/main" xmlns:r="http://schemas.openxmlformats.org/officeDocument/2006/relationships" xmlns:ac="http://schemas.microsoft.com/office/drawing/2013/main/command" xmlns:pc="http://schemas.microsoft.com/office/powerpoint/2013/main/command">
+  <pc:docChgLst>
+    <pc:chgData name="Carlos Martínez" userId="e87e61c259e4652f" providerId="LiveId" clId="{4937905A-159F-486A-AFC2-A57F3873001C}"/>
+    <pc:docChg chg="custSel modSld">
+      <pc:chgData name="Carlos Martínez" userId="e87e61c259e4652f" providerId="LiveId" clId="{4937905A-159F-486A-AFC2-A57F3873001C}" dt="2024-10-01T15:23:59.121" v="1" actId="26606"/>
+      <pc:docMkLst>
+        <pc:docMk/>
+      </pc:docMkLst>
+      <pc:sldChg chg="addSp modSp mod setBg">
+        <pc:chgData name="Carlos Martínez" userId="e87e61c259e4652f" providerId="LiveId" clId="{4937905A-159F-486A-AFC2-A57F3873001C}" dt="2024-10-01T15:23:59.121" v="1" actId="26606"/>
+        <pc:sldMkLst>
+          <pc:docMk/>
+          <pc:sldMk cId="1518741165" sldId="270"/>
+        </pc:sldMkLst>
+        <pc:spChg chg="mod">
+          <ac:chgData name="Carlos Martínez" userId="e87e61c259e4652f" providerId="LiveId" clId="{4937905A-159F-486A-AFC2-A57F3873001C}" dt="2024-10-01T15:23:59.121" v="1" actId="26606"/>
+          <ac:spMkLst>
+            <pc:docMk/>
+            <pc:sldMk cId="1518741165" sldId="270"/>
+            <ac:spMk id="2" creationId="{8D329D92-C80B-C5E2-CDBB-BEA14DBC0F36}"/>
+          </ac:spMkLst>
+        </pc:spChg>
+        <pc:spChg chg="mod ord">
+          <ac:chgData name="Carlos Martínez" userId="e87e61c259e4652f" providerId="LiveId" clId="{4937905A-159F-486A-AFC2-A57F3873001C}" dt="2024-10-01T15:23:59.121" v="1" actId="26606"/>
+          <ac:spMkLst>
+            <pc:docMk/>
+            <pc:sldMk cId="1518741165" sldId="270"/>
+            <ac:spMk id="3" creationId="{55FACABA-91B9-B384-2491-92E585EEB272}"/>
+          </ac:spMkLst>
+        </pc:spChg>
+        <pc:spChg chg="add">
+          <ac:chgData name="Carlos Martínez" userId="e87e61c259e4652f" providerId="LiveId" clId="{4937905A-159F-486A-AFC2-A57F3873001C}" dt="2024-10-01T15:23:59.121" v="1" actId="26606"/>
+          <ac:spMkLst>
+            <pc:docMk/>
+            <pc:sldMk cId="1518741165" sldId="270"/>
+            <ac:spMk id="10" creationId="{2EB492CD-616E-47F8-933B-5E2D952A0593}"/>
+          </ac:spMkLst>
+        </pc:spChg>
+        <pc:spChg chg="add">
+          <ac:chgData name="Carlos Martínez" userId="e87e61c259e4652f" providerId="LiveId" clId="{4937905A-159F-486A-AFC2-A57F3873001C}" dt="2024-10-01T15:23:59.121" v="1" actId="26606"/>
+          <ac:spMkLst>
+            <pc:docMk/>
+            <pc:sldMk cId="1518741165" sldId="270"/>
+            <ac:spMk id="12" creationId="{59383CF9-23B5-4335-9B21-1791C4CF1C75}"/>
+          </ac:spMkLst>
+        </pc:spChg>
+        <pc:spChg chg="add">
+          <ac:chgData name="Carlos Martínez" userId="e87e61c259e4652f" providerId="LiveId" clId="{4937905A-159F-486A-AFC2-A57F3873001C}" dt="2024-10-01T15:23:59.121" v="1" actId="26606"/>
+          <ac:spMkLst>
+            <pc:docMk/>
+            <pc:sldMk cId="1518741165" sldId="270"/>
+            <ac:spMk id="14" creationId="{0007FE00-9498-4706-B255-6437B0252C02}"/>
+          </ac:spMkLst>
+        </pc:spChg>
+        <pc:picChg chg="mod">
+          <ac:chgData name="Carlos Martínez" userId="e87e61c259e4652f" providerId="LiveId" clId="{4937905A-159F-486A-AFC2-A57F3873001C}" dt="2024-10-01T15:23:59.121" v="1" actId="26606"/>
+          <ac:picMkLst>
+            <pc:docMk/>
+            <pc:sldMk cId="1518741165" sldId="270"/>
+            <ac:picMk id="5" creationId="{57D4595D-52ED-E906-44B1-24C886D2D7E8}"/>
+          </ac:picMkLst>
+        </pc:picChg>
+      </pc:sldChg>
+    </pc:docChg>
+  </pc:docChgLst>
+</pc:chgInfo>
 </file>
 
 <file path=ppt/diagrams/colors1.xml><?xml version="1.0" encoding="utf-8"?>
@@ -23508,7 +23591,7 @@
           <a:p>
             <a:fld id="{2C2586D7-FC15-4E93-AC34-EB416CF4DDB6}" type="datetimeFigureOut">
               <a:rPr lang="es-GT" smtClean="0"/>
-              <a:t>30/09/2024</a:t>
+              <a:t>1/10/2024</a:t>
             </a:fld>
             <a:endParaRPr lang="es-GT"/>
           </a:p>
@@ -23708,7 +23791,7 @@
           <a:p>
             <a:fld id="{2C2586D7-FC15-4E93-AC34-EB416CF4DDB6}" type="datetimeFigureOut">
               <a:rPr lang="es-GT" smtClean="0"/>
-              <a:t>30/09/2024</a:t>
+              <a:t>1/10/2024</a:t>
             </a:fld>
             <a:endParaRPr lang="es-GT"/>
           </a:p>
@@ -23918,7 +24001,7 @@
           <a:p>
             <a:fld id="{2C2586D7-FC15-4E93-AC34-EB416CF4DDB6}" type="datetimeFigureOut">
               <a:rPr lang="es-GT" smtClean="0"/>
-              <a:t>30/09/2024</a:t>
+              <a:t>1/10/2024</a:t>
             </a:fld>
             <a:endParaRPr lang="es-GT"/>
           </a:p>
@@ -24118,7 +24201,7 @@
           <a:p>
             <a:fld id="{2C2586D7-FC15-4E93-AC34-EB416CF4DDB6}" type="datetimeFigureOut">
               <a:rPr lang="es-GT" smtClean="0"/>
-              <a:t>30/09/2024</a:t>
+              <a:t>1/10/2024</a:t>
             </a:fld>
             <a:endParaRPr lang="es-GT"/>
           </a:p>
@@ -24318,7 +24401,7 @@
           <a:p>
             <a:fld id="{2C2586D7-FC15-4E93-AC34-EB416CF4DDB6}" type="datetimeFigureOut">
               <a:rPr lang="es-GT" smtClean="0"/>
-              <a:t>30/09/2024</a:t>
+              <a:t>1/10/2024</a:t>
             </a:fld>
             <a:endParaRPr lang="es-GT"/>
           </a:p>
@@ -24594,7 +24677,7 @@
           <a:p>
             <a:fld id="{2C2586D7-FC15-4E93-AC34-EB416CF4DDB6}" type="datetimeFigureOut">
               <a:rPr lang="es-GT" smtClean="0"/>
-              <a:t>30/09/2024</a:t>
+              <a:t>1/10/2024</a:t>
             </a:fld>
             <a:endParaRPr lang="es-GT"/>
           </a:p>
@@ -24862,7 +24945,7 @@
           <a:p>
             <a:fld id="{2C2586D7-FC15-4E93-AC34-EB416CF4DDB6}" type="datetimeFigureOut">
               <a:rPr lang="es-GT" smtClean="0"/>
-              <a:t>30/09/2024</a:t>
+              <a:t>1/10/2024</a:t>
             </a:fld>
             <a:endParaRPr lang="es-GT"/>
           </a:p>
@@ -25277,7 +25360,7 @@
           <a:p>
             <a:fld id="{2C2586D7-FC15-4E93-AC34-EB416CF4DDB6}" type="datetimeFigureOut">
               <a:rPr lang="es-GT" smtClean="0"/>
-              <a:t>30/09/2024</a:t>
+              <a:t>1/10/2024</a:t>
             </a:fld>
             <a:endParaRPr lang="es-GT"/>
           </a:p>
@@ -25419,7 +25502,7 @@
           <a:p>
             <a:fld id="{2C2586D7-FC15-4E93-AC34-EB416CF4DDB6}" type="datetimeFigureOut">
               <a:rPr lang="es-GT" smtClean="0"/>
-              <a:t>30/09/2024</a:t>
+              <a:t>1/10/2024</a:t>
             </a:fld>
             <a:endParaRPr lang="es-GT"/>
           </a:p>
@@ -25532,7 +25615,7 @@
           <a:p>
             <a:fld id="{2C2586D7-FC15-4E93-AC34-EB416CF4DDB6}" type="datetimeFigureOut">
               <a:rPr lang="es-GT" smtClean="0"/>
-              <a:t>30/09/2024</a:t>
+              <a:t>1/10/2024</a:t>
             </a:fld>
             <a:endParaRPr lang="es-GT"/>
           </a:p>
@@ -25845,7 +25928,7 @@
           <a:p>
             <a:fld id="{2C2586D7-FC15-4E93-AC34-EB416CF4DDB6}" type="datetimeFigureOut">
               <a:rPr lang="es-GT" smtClean="0"/>
-              <a:t>30/09/2024</a:t>
+              <a:t>1/10/2024</a:t>
             </a:fld>
             <a:endParaRPr lang="es-GT"/>
           </a:p>
@@ -26134,7 +26217,7 @@
           <a:p>
             <a:fld id="{2C2586D7-FC15-4E93-AC34-EB416CF4DDB6}" type="datetimeFigureOut">
               <a:rPr lang="es-GT" smtClean="0"/>
-              <a:t>30/09/2024</a:t>
+              <a:t>1/10/2024</a:t>
             </a:fld>
             <a:endParaRPr lang="es-GT"/>
           </a:p>
@@ -26377,7 +26460,7 @@
           <a:p>
             <a:fld id="{2C2586D7-FC15-4E93-AC34-EB416CF4DDB6}" type="datetimeFigureOut">
               <a:rPr lang="es-GT" smtClean="0"/>
-              <a:t>30/09/2024</a:t>
+              <a:t>1/10/2024</a:t>
             </a:fld>
             <a:endParaRPr lang="es-GT"/>
           </a:p>
@@ -27598,6 +27681,376 @@
           <a:chExt cx="0" cy="0"/>
         </a:xfrm>
       </p:grpSpPr>
+      <p:sp useBgFill="1">
+        <p:nvSpPr>
+          <p:cNvPr id="9" name="Rectangle 8">
+            <a:extLst>
+              <a:ext uri="{FF2B5EF4-FFF2-40B4-BE49-F238E27FC236}">
+                <a16:creationId xmlns:a16="http://schemas.microsoft.com/office/drawing/2014/main" id="{8380AD67-C5CA-4918-B4BB-C359BB03EEDD}"/>
+              </a:ext>
+              <a:ext uri="{C183D7F6-B498-43B3-948B-1728B52AA6E4}">
+                <adec:decorative xmlns:adec="http://schemas.microsoft.com/office/drawing/2017/decorative" val="1"/>
+              </a:ext>
+            </a:extLst>
+          </p:cNvPr>
+          <p:cNvSpPr>
+            <a:spLocks noGrp="1" noRot="1" noChangeAspect="1" noMove="1" noResize="1" noEditPoints="1" noAdjustHandles="1" noChangeArrowheads="1" noChangeShapeType="1" noTextEdit="1"/>
+          </p:cNvSpPr>
+          <p:nvPr>
+            <p:extLst>
+              <p:ext uri="{386F3935-93C4-4BCD-93E2-E3B085C9AB24}">
+                <p16:designElem xmlns:p16="http://schemas.microsoft.com/office/powerpoint/2015/main" val="1"/>
+              </p:ext>
+            </p:extLst>
+          </p:nvPr>
+        </p:nvSpPr>
+        <p:spPr>
+          <a:xfrm>
+            <a:off x="0" y="0"/>
+            <a:ext cx="12192000" cy="6858000"/>
+          </a:xfrm>
+          <a:prstGeom prst="rect">
+            <a:avLst/>
+          </a:prstGeom>
+          <a:ln>
+            <a:noFill/>
+          </a:ln>
+        </p:spPr>
+        <p:style>
+          <a:lnRef idx="2">
+            <a:schemeClr val="accent1">
+              <a:shade val="50000"/>
+            </a:schemeClr>
+          </a:lnRef>
+          <a:fillRef idx="1">
+            <a:schemeClr val="accent1"/>
+          </a:fillRef>
+          <a:effectRef idx="0">
+            <a:schemeClr val="accent1"/>
+          </a:effectRef>
+          <a:fontRef idx="minor">
+            <a:schemeClr val="lt1"/>
+          </a:fontRef>
+        </p:style>
+        <p:txBody>
+          <a:bodyPr rtlCol="0" anchor="ctr"/>
+          <a:lstStyle/>
+          <a:p>
+            <a:pPr algn="ctr"/>
+            <a:endParaRPr lang="en-US"/>
+          </a:p>
+        </p:txBody>
+      </p:sp>
+      <p:sp>
+        <p:nvSpPr>
+          <p:cNvPr id="2" name="Título 1">
+            <a:extLst>
+              <a:ext uri="{FF2B5EF4-FFF2-40B4-BE49-F238E27FC236}">
+                <a16:creationId xmlns:a16="http://schemas.microsoft.com/office/drawing/2014/main" id="{DF0C075E-E7A5-3A2F-14D3-C1EEC9FCED76}"/>
+              </a:ext>
+            </a:extLst>
+          </p:cNvPr>
+          <p:cNvSpPr>
+            <a:spLocks noGrp="1"/>
+          </p:cNvSpPr>
+          <p:nvPr>
+            <p:ph type="title"/>
+          </p:nvPr>
+        </p:nvSpPr>
+        <p:spPr>
+          <a:xfrm>
+            <a:off x="5080216" y="1076324"/>
+            <a:ext cx="6272784" cy="1535051"/>
+          </a:xfrm>
+        </p:spPr>
+        <p:txBody>
+          <a:bodyPr vert="horz" lIns="91440" tIns="45720" rIns="91440" bIns="45720" rtlCol="0" anchor="b">
+            <a:normAutofit/>
+          </a:bodyPr>
+          <a:lstStyle/>
+          <a:p>
+            <a:r>
+              <a:rPr lang="en-US" sz="5200"/>
+              <a:t>Orquestadores</a:t>
+            </a:r>
+          </a:p>
+        </p:txBody>
+      </p:sp>
+      <p:pic>
+        <p:nvPicPr>
+          <p:cNvPr id="5" name="Picture 4" descr="Contenedores apilados y un semirremolque en un puerto marítimo">
+            <a:extLst>
+              <a:ext uri="{FF2B5EF4-FFF2-40B4-BE49-F238E27FC236}">
+                <a16:creationId xmlns:a16="http://schemas.microsoft.com/office/drawing/2014/main" id="{5296D644-26C3-491C-A2B8-790A75115ED1}"/>
+              </a:ext>
+            </a:extLst>
+          </p:cNvPr>
+          <p:cNvPicPr>
+            <a:picLocks noChangeAspect="1"/>
+          </p:cNvPicPr>
+          <p:nvPr/>
+        </p:nvPicPr>
+        <p:blipFill>
+          <a:blip r:embed="rId2"/>
+          <a:srcRect l="34914" r="15815"/>
+          <a:stretch/>
+        </p:blipFill>
+        <p:spPr>
+          <a:xfrm>
+            <a:off x="20" y="10"/>
+            <a:ext cx="4505305" cy="6857990"/>
+          </a:xfrm>
+          <a:prstGeom prst="rect">
+            <a:avLst/>
+          </a:prstGeom>
+        </p:spPr>
+      </p:pic>
+      <p:sp>
+        <p:nvSpPr>
+          <p:cNvPr id="11" name="!!accent">
+            <a:extLst>
+              <a:ext uri="{FF2B5EF4-FFF2-40B4-BE49-F238E27FC236}">
+                <a16:creationId xmlns:a16="http://schemas.microsoft.com/office/drawing/2014/main" id="{EABAD4DA-87BA-4F70-9EF0-45C6BCF17823}"/>
+              </a:ext>
+              <a:ext uri="{C183D7F6-B498-43B3-948B-1728B52AA6E4}">
+                <adec:decorative xmlns:adec="http://schemas.microsoft.com/office/drawing/2017/decorative" val="1"/>
+              </a:ext>
+            </a:extLst>
+          </p:cNvPr>
+          <p:cNvSpPr>
+            <a:spLocks noGrp="1" noRot="1" noChangeAspect="1" noMove="1" noResize="1" noEditPoints="1" noAdjustHandles="1" noChangeArrowheads="1" noChangeShapeType="1" noTextEdit="1"/>
+          </p:cNvSpPr>
+          <p:nvPr>
+            <p:extLst>
+              <p:ext uri="{386F3935-93C4-4BCD-93E2-E3B085C9AB24}">
+                <p16:designElem xmlns:p16="http://schemas.microsoft.com/office/powerpoint/2015/main" val="1"/>
+              </p:ext>
+            </p:extLst>
+          </p:nvPr>
+        </p:nvSpPr>
+        <p:spPr>
+          <a:xfrm rot="5400000">
+            <a:off x="5317960" y="363389"/>
+            <a:ext cx="73152" cy="548640"/>
+          </a:xfrm>
+          <a:prstGeom prst="rect">
+            <a:avLst/>
+          </a:prstGeom>
+          <a:solidFill>
+            <a:schemeClr val="accent2"/>
+          </a:solidFill>
+          <a:ln>
+            <a:noFill/>
+          </a:ln>
+        </p:spPr>
+        <p:style>
+          <a:lnRef idx="2">
+            <a:schemeClr val="accent1">
+              <a:shade val="50000"/>
+            </a:schemeClr>
+          </a:lnRef>
+          <a:fillRef idx="1">
+            <a:schemeClr val="accent1"/>
+          </a:fillRef>
+          <a:effectRef idx="0">
+            <a:schemeClr val="accent1"/>
+          </a:effectRef>
+          <a:fontRef idx="minor">
+            <a:schemeClr val="lt1"/>
+          </a:fontRef>
+        </p:style>
+        <p:txBody>
+          <a:bodyPr rtlCol="0" anchor="ctr"/>
+          <a:lstStyle/>
+          <a:p>
+            <a:pPr marL="0" marR="0" lvl="0" indent="0" algn="ctr" defTabSz="914400" rtl="0" eaLnBrk="1" fontAlgn="auto" latinLnBrk="0" hangingPunct="1">
+              <a:lnSpc>
+                <a:spcPct val="100000"/>
+              </a:lnSpc>
+              <a:spcBef>
+                <a:spcPts val="0"/>
+              </a:spcBef>
+              <a:spcAft>
+                <a:spcPts val="0"/>
+              </a:spcAft>
+              <a:buClrTx/>
+              <a:buSzTx/>
+              <a:buFontTx/>
+              <a:buNone/>
+              <a:tabLst/>
+              <a:defRPr/>
+            </a:pPr>
+            <a:endParaRPr kumimoji="0" lang="en-US" sz="1800" b="0" i="0" u="none" strike="noStrike" kern="1200" cap="none" spc="0" normalizeH="0" baseline="0" noProof="0">
+              <a:ln>
+                <a:noFill/>
+              </a:ln>
+              <a:solidFill>
+                <a:prstClr val="white"/>
+              </a:solidFill>
+              <a:effectLst/>
+              <a:uLnTx/>
+              <a:uFillTx/>
+              <a:latin typeface="Calibri" panose="020F0502020204030204"/>
+              <a:ea typeface="+mn-ea"/>
+              <a:cs typeface="+mn-cs"/>
+            </a:endParaRPr>
+          </a:p>
+        </p:txBody>
+      </p:sp>
+      <p:sp>
+        <p:nvSpPr>
+          <p:cNvPr id="13" name="Rectangle 12">
+            <a:extLst>
+              <a:ext uri="{FF2B5EF4-FFF2-40B4-BE49-F238E27FC236}">
+                <a16:creationId xmlns:a16="http://schemas.microsoft.com/office/drawing/2014/main" id="{915128D9-2797-47FA-B6FE-EC24E6B8437A}"/>
+              </a:ext>
+              <a:ext uri="{C183D7F6-B498-43B3-948B-1728B52AA6E4}">
+                <adec:decorative xmlns:adec="http://schemas.microsoft.com/office/drawing/2017/decorative" val="1"/>
+              </a:ext>
+            </a:extLst>
+          </p:cNvPr>
+          <p:cNvSpPr>
+            <a:spLocks noGrp="1" noRot="1" noChangeAspect="1" noMove="1" noResize="1" noEditPoints="1" noAdjustHandles="1" noChangeArrowheads="1" noChangeShapeType="1" noTextEdit="1"/>
+          </p:cNvSpPr>
+          <p:nvPr>
+            <p:extLst>
+              <p:ext uri="{386F3935-93C4-4BCD-93E2-E3B085C9AB24}">
+                <p16:designElem xmlns:p16="http://schemas.microsoft.com/office/powerpoint/2015/main" val="1"/>
+              </p:ext>
+            </p:extLst>
+          </p:nvPr>
+        </p:nvSpPr>
+        <p:spPr>
+          <a:xfrm>
+            <a:off x="5099266" y="2935541"/>
+            <a:ext cx="6217920" cy="18288"/>
+          </a:xfrm>
+          <a:prstGeom prst="rect">
+            <a:avLst/>
+          </a:prstGeom>
+          <a:solidFill>
+            <a:srgbClr val="D5D5D5"/>
+          </a:solidFill>
+          <a:ln w="3175">
+            <a:noFill/>
+          </a:ln>
+          <a:effectLst/>
+        </p:spPr>
+        <p:style>
+          <a:lnRef idx="2">
+            <a:schemeClr val="accent1">
+              <a:shade val="50000"/>
+            </a:schemeClr>
+          </a:lnRef>
+          <a:fillRef idx="1">
+            <a:schemeClr val="accent1"/>
+          </a:fillRef>
+          <a:effectRef idx="0">
+            <a:schemeClr val="accent1"/>
+          </a:effectRef>
+          <a:fontRef idx="minor">
+            <a:schemeClr val="lt1"/>
+          </a:fontRef>
+        </p:style>
+        <p:txBody>
+          <a:bodyPr rtlCol="0" anchor="ctr"/>
+          <a:lstStyle/>
+          <a:p>
+            <a:pPr algn="ctr"/>
+            <a:endParaRPr lang="en-US">
+              <a:solidFill>
+                <a:prstClr val="white"/>
+              </a:solidFill>
+              <a:latin typeface="Calibri" panose="020F0502020204030204"/>
+            </a:endParaRPr>
+          </a:p>
+        </p:txBody>
+      </p:sp>
+      <p:sp>
+        <p:nvSpPr>
+          <p:cNvPr id="3" name="Marcador de texto 2">
+            <a:extLst>
+              <a:ext uri="{FF2B5EF4-FFF2-40B4-BE49-F238E27FC236}">
+                <a16:creationId xmlns:a16="http://schemas.microsoft.com/office/drawing/2014/main" id="{96B14B37-CAB0-4130-DEF5-5FD79B3A38F1}"/>
+              </a:ext>
+            </a:extLst>
+          </p:cNvPr>
+          <p:cNvSpPr>
+            <a:spLocks noGrp="1"/>
+          </p:cNvSpPr>
+          <p:nvPr>
+            <p:ph type="body" idx="1"/>
+          </p:nvPr>
+        </p:nvSpPr>
+        <p:spPr>
+          <a:xfrm>
+            <a:off x="5080216" y="3351276"/>
+            <a:ext cx="6272784" cy="2825686"/>
+          </a:xfrm>
+        </p:spPr>
+        <p:txBody>
+          <a:bodyPr vert="horz" lIns="91440" tIns="45720" rIns="91440" bIns="45720" rtlCol="0">
+            <a:normAutofit/>
+          </a:bodyPr>
+          <a:lstStyle/>
+          <a:p>
+            <a:r>
+              <a:rPr lang="en-US" sz="2200"/>
+              <a:t>Qué son: Herramientas que gestionan múltiples contenedores.</a:t>
+            </a:r>
+          </a:p>
+          <a:p>
+            <a:r>
+              <a:rPr lang="en-US" sz="2200"/>
+              <a:t>Principales orquestadores: Kubernetes, Docker Swarm y Docker Compose.</a:t>
+            </a:r>
+          </a:p>
+          <a:p>
+            <a:r>
+              <a:rPr lang="en-US" sz="2200"/>
+              <a:t>Funcionalidades: Balanceo de carga, escalabilidad, tolerancia a fallos.</a:t>
+            </a:r>
+          </a:p>
+        </p:txBody>
+      </p:sp>
+    </p:spTree>
+    <p:extLst>
+      <p:ext uri="{BB962C8B-B14F-4D97-AF65-F5344CB8AC3E}">
+        <p14:creationId xmlns:p14="http://schemas.microsoft.com/office/powerpoint/2010/main" val="3229133109"/>
+      </p:ext>
+    </p:extLst>
+  </p:cSld>
+  <p:clrMapOvr>
+    <a:masterClrMapping/>
+  </p:clrMapOvr>
+</p:sld>
+</file>
+
+<file path=ppt/slides/slide11.xml><?xml version="1.0" encoding="utf-8"?>
+<p:sld xmlns:a="http://schemas.openxmlformats.org/drawingml/2006/main" xmlns:r="http://schemas.openxmlformats.org/officeDocument/2006/relationships" xmlns:p="http://schemas.openxmlformats.org/presentationml/2006/main">
+  <p:cSld>
+    <p:bg>
+      <p:bgPr>
+        <a:solidFill>
+          <a:schemeClr val="bg1"/>
+        </a:solidFill>
+        <a:effectLst/>
+      </p:bgPr>
+    </p:bg>
+    <p:spTree>
+      <p:nvGrpSpPr>
+        <p:cNvPr id="1" name=""/>
+        <p:cNvGrpSpPr/>
+        <p:nvPr/>
+      </p:nvGrpSpPr>
+      <p:grpSpPr>
+        <a:xfrm>
+          <a:off x="0" y="0"/>
+          <a:ext cx="0" cy="0"/>
+          <a:chOff x="0" y="0"/>
+          <a:chExt cx="0" cy="0"/>
+        </a:xfrm>
+      </p:grpSpPr>
       <p:sp>
         <p:nvSpPr>
           <p:cNvPr id="13" name="Rectangle 8">
@@ -27812,7 +28265,7 @@
 </p:sld>
 </file>
 
-<file path=ppt/slides/slide11.xml><?xml version="1.0" encoding="utf-8"?>
+<file path=ppt/slides/slide12.xml><?xml version="1.0" encoding="utf-8"?>
 <p:sld xmlns:a="http://schemas.openxmlformats.org/drawingml/2006/main" xmlns:r="http://schemas.openxmlformats.org/officeDocument/2006/relationships" xmlns:p="http://schemas.openxmlformats.org/presentationml/2006/main">
   <p:cSld>
     <p:spTree>
@@ -27892,7 +28345,7 @@
 </p:sld>
 </file>
 
-<file path=ppt/slides/slide12.xml><?xml version="1.0" encoding="utf-8"?>
+<file path=ppt/slides/slide13.xml><?xml version="1.0" encoding="utf-8"?>
 <p:sld xmlns:a="http://schemas.openxmlformats.org/drawingml/2006/main" xmlns:r="http://schemas.openxmlformats.org/officeDocument/2006/relationships" xmlns:p="http://schemas.openxmlformats.org/presentationml/2006/main">
   <p:cSld>
     <p:bg>
@@ -28303,7 +28756,7 @@
 </p:sld>
 </file>
 
-<file path=ppt/slides/slide13.xml><?xml version="1.0" encoding="utf-8"?>
+<file path=ppt/slides/slide14.xml><?xml version="1.0" encoding="utf-8"?>
 <p:sld xmlns:a="http://schemas.openxmlformats.org/drawingml/2006/main" xmlns:r="http://schemas.openxmlformats.org/officeDocument/2006/relationships" xmlns:p="http://schemas.openxmlformats.org/presentationml/2006/main">
   <p:cSld>
     <p:bg>
@@ -28667,7 +29120,7 @@
 </p:sld>
 </file>
 
-<file path=ppt/slides/slide14.xml><?xml version="1.0" encoding="utf-8"?>
+<file path=ppt/slides/slide15.xml><?xml version="1.0" encoding="utf-8"?>
 <p:sld xmlns:a="http://schemas.openxmlformats.org/drawingml/2006/main" xmlns:r="http://schemas.openxmlformats.org/officeDocument/2006/relationships" xmlns:p="http://schemas.openxmlformats.org/presentationml/2006/main">
   <p:cSld>
     <p:bg>
@@ -29235,6 +29688,679 @@
       </p:grpSpPr>
       <p:sp useBgFill="1">
         <p:nvSpPr>
+          <p:cNvPr id="10" name="Rectangle 9">
+            <a:extLst>
+              <a:ext uri="{FF2B5EF4-FFF2-40B4-BE49-F238E27FC236}">
+                <a16:creationId xmlns:a16="http://schemas.microsoft.com/office/drawing/2014/main" id="{2EB492CD-616E-47F8-933B-5E2D952A0593}"/>
+              </a:ext>
+              <a:ext uri="{C183D7F6-B498-43B3-948B-1728B52AA6E4}">
+                <adec:decorative xmlns:adec="http://schemas.microsoft.com/office/drawing/2017/decorative" val="1"/>
+              </a:ext>
+            </a:extLst>
+          </p:cNvPr>
+          <p:cNvSpPr>
+            <a:spLocks noGrp="1" noRot="1" noChangeAspect="1" noMove="1" noResize="1" noEditPoints="1" noAdjustHandles="1" noChangeArrowheads="1" noChangeShapeType="1" noTextEdit="1"/>
+          </p:cNvSpPr>
+          <p:nvPr>
+            <p:extLst>
+              <p:ext uri="{386F3935-93C4-4BCD-93E2-E3B085C9AB24}">
+                <p16:designElem xmlns:p16="http://schemas.microsoft.com/office/powerpoint/2015/main" val="1"/>
+              </p:ext>
+            </p:extLst>
+          </p:nvPr>
+        </p:nvSpPr>
+        <p:spPr bwMode="white">
+          <a:xfrm>
+            <a:off x="0" y="0"/>
+            <a:ext cx="12192000" cy="6858000"/>
+          </a:xfrm>
+          <a:prstGeom prst="rect">
+            <a:avLst/>
+          </a:prstGeom>
+          <a:ln>
+            <a:noFill/>
+          </a:ln>
+        </p:spPr>
+        <p:style>
+          <a:lnRef idx="2">
+            <a:schemeClr val="accent1">
+              <a:shade val="50000"/>
+            </a:schemeClr>
+          </a:lnRef>
+          <a:fillRef idx="1">
+            <a:schemeClr val="accent1"/>
+          </a:fillRef>
+          <a:effectRef idx="0">
+            <a:schemeClr val="accent1"/>
+          </a:effectRef>
+          <a:fontRef idx="minor">
+            <a:schemeClr val="lt1"/>
+          </a:fontRef>
+        </p:style>
+        <p:txBody>
+          <a:bodyPr rtlCol="0" anchor="ctr"/>
+          <a:lstStyle>
+            <a:defPPr>
+              <a:defRPr lang="en-US"/>
+            </a:defPPr>
+            <a:lvl1pPr marL="0" algn="l" defTabSz="914400" rtl="0" eaLnBrk="1" latinLnBrk="0" hangingPunct="1">
+              <a:defRPr sz="1800" kern="1200">
+                <a:solidFill>
+                  <a:schemeClr val="lt1"/>
+                </a:solidFill>
+                <a:latin typeface="+mn-lt"/>
+                <a:ea typeface="+mn-ea"/>
+                <a:cs typeface="+mn-cs"/>
+              </a:defRPr>
+            </a:lvl1pPr>
+            <a:lvl2pPr marL="457200" algn="l" defTabSz="914400" rtl="0" eaLnBrk="1" latinLnBrk="0" hangingPunct="1">
+              <a:defRPr sz="1800" kern="1200">
+                <a:solidFill>
+                  <a:schemeClr val="lt1"/>
+                </a:solidFill>
+                <a:latin typeface="+mn-lt"/>
+                <a:ea typeface="+mn-ea"/>
+                <a:cs typeface="+mn-cs"/>
+              </a:defRPr>
+            </a:lvl2pPr>
+            <a:lvl3pPr marL="914400" algn="l" defTabSz="914400" rtl="0" eaLnBrk="1" latinLnBrk="0" hangingPunct="1">
+              <a:defRPr sz="1800" kern="1200">
+                <a:solidFill>
+                  <a:schemeClr val="lt1"/>
+                </a:solidFill>
+                <a:latin typeface="+mn-lt"/>
+                <a:ea typeface="+mn-ea"/>
+                <a:cs typeface="+mn-cs"/>
+              </a:defRPr>
+            </a:lvl3pPr>
+            <a:lvl4pPr marL="1371600" algn="l" defTabSz="914400" rtl="0" eaLnBrk="1" latinLnBrk="0" hangingPunct="1">
+              <a:defRPr sz="1800" kern="1200">
+                <a:solidFill>
+                  <a:schemeClr val="lt1"/>
+                </a:solidFill>
+                <a:latin typeface="+mn-lt"/>
+                <a:ea typeface="+mn-ea"/>
+                <a:cs typeface="+mn-cs"/>
+              </a:defRPr>
+            </a:lvl4pPr>
+            <a:lvl5pPr marL="1828800" algn="l" defTabSz="914400" rtl="0" eaLnBrk="1" latinLnBrk="0" hangingPunct="1">
+              <a:defRPr sz="1800" kern="1200">
+                <a:solidFill>
+                  <a:schemeClr val="lt1"/>
+                </a:solidFill>
+                <a:latin typeface="+mn-lt"/>
+                <a:ea typeface="+mn-ea"/>
+                <a:cs typeface="+mn-cs"/>
+              </a:defRPr>
+            </a:lvl5pPr>
+            <a:lvl6pPr marL="2286000" algn="l" defTabSz="914400" rtl="0" eaLnBrk="1" latinLnBrk="0" hangingPunct="1">
+              <a:defRPr sz="1800" kern="1200">
+                <a:solidFill>
+                  <a:schemeClr val="lt1"/>
+                </a:solidFill>
+                <a:latin typeface="+mn-lt"/>
+                <a:ea typeface="+mn-ea"/>
+                <a:cs typeface="+mn-cs"/>
+              </a:defRPr>
+            </a:lvl6pPr>
+            <a:lvl7pPr marL="2743200" algn="l" defTabSz="914400" rtl="0" eaLnBrk="1" latinLnBrk="0" hangingPunct="1">
+              <a:defRPr sz="1800" kern="1200">
+                <a:solidFill>
+                  <a:schemeClr val="lt1"/>
+                </a:solidFill>
+                <a:latin typeface="+mn-lt"/>
+                <a:ea typeface="+mn-ea"/>
+                <a:cs typeface="+mn-cs"/>
+              </a:defRPr>
+            </a:lvl7pPr>
+            <a:lvl8pPr marL="3200400" algn="l" defTabSz="914400" rtl="0" eaLnBrk="1" latinLnBrk="0" hangingPunct="1">
+              <a:defRPr sz="1800" kern="1200">
+                <a:solidFill>
+                  <a:schemeClr val="lt1"/>
+                </a:solidFill>
+                <a:latin typeface="+mn-lt"/>
+                <a:ea typeface="+mn-ea"/>
+                <a:cs typeface="+mn-cs"/>
+              </a:defRPr>
+            </a:lvl8pPr>
+            <a:lvl9pPr marL="3657600" algn="l" defTabSz="914400" rtl="0" eaLnBrk="1" latinLnBrk="0" hangingPunct="1">
+              <a:defRPr sz="1800" kern="1200">
+                <a:solidFill>
+                  <a:schemeClr val="lt1"/>
+                </a:solidFill>
+                <a:latin typeface="+mn-lt"/>
+                <a:ea typeface="+mn-ea"/>
+                <a:cs typeface="+mn-cs"/>
+              </a:defRPr>
+            </a:lvl9pPr>
+          </a:lstStyle>
+          <a:p>
+            <a:pPr algn="ctr"/>
+            <a:endParaRPr lang="en-US"/>
+          </a:p>
+        </p:txBody>
+      </p:sp>
+      <p:sp>
+        <p:nvSpPr>
+          <p:cNvPr id="12" name="Arc 11">
+            <a:extLst>
+              <a:ext uri="{FF2B5EF4-FFF2-40B4-BE49-F238E27FC236}">
+                <a16:creationId xmlns:a16="http://schemas.microsoft.com/office/drawing/2014/main" id="{59383CF9-23B5-4335-9B21-1791C4CF1C75}"/>
+              </a:ext>
+              <a:ext uri="{C183D7F6-B498-43B3-948B-1728B52AA6E4}">
+                <adec:decorative xmlns:adec="http://schemas.microsoft.com/office/drawing/2017/decorative" val="1"/>
+              </a:ext>
+            </a:extLst>
+          </p:cNvPr>
+          <p:cNvSpPr>
+            <a:spLocks noGrp="1" noRot="1" noChangeAspect="1" noMove="1" noResize="1" noEditPoints="1" noAdjustHandles="1" noChangeArrowheads="1" noChangeShapeType="1" noTextEdit="1"/>
+          </p:cNvSpPr>
+          <p:nvPr>
+            <p:extLst>
+              <p:ext uri="{386F3935-93C4-4BCD-93E2-E3B085C9AB24}">
+                <p16:designElem xmlns:p16="http://schemas.microsoft.com/office/powerpoint/2015/main" val="1"/>
+              </p:ext>
+            </p:extLst>
+          </p:nvPr>
+        </p:nvSpPr>
+        <p:spPr>
+          <a:xfrm rot="3967198" flipH="1">
+            <a:off x="8631348" y="490493"/>
+            <a:ext cx="2987899" cy="2987899"/>
+          </a:xfrm>
+          <a:prstGeom prst="arc">
+            <a:avLst>
+              <a:gd name="adj1" fmla="val 14441841"/>
+              <a:gd name="adj2" fmla="val 0"/>
+            </a:avLst>
+          </a:prstGeom>
+          <a:ln w="127000" cap="rnd">
+            <a:solidFill>
+              <a:schemeClr val="accent4"/>
+            </a:solidFill>
+            <a:prstDash val="dash"/>
+            <a:miter lim="800000"/>
+          </a:ln>
+        </p:spPr>
+        <p:style>
+          <a:lnRef idx="1">
+            <a:schemeClr val="accent1"/>
+          </a:lnRef>
+          <a:fillRef idx="0">
+            <a:schemeClr val="accent1"/>
+          </a:fillRef>
+          <a:effectRef idx="0">
+            <a:schemeClr val="accent1"/>
+          </a:effectRef>
+          <a:fontRef idx="minor">
+            <a:schemeClr val="tx1"/>
+          </a:fontRef>
+        </p:style>
+        <p:txBody>
+          <a:bodyPr rtlCol="0" anchor="ctr"/>
+          <a:lstStyle/>
+          <a:p>
+            <a:pPr marL="0" marR="0" lvl="0" indent="0" algn="ctr" defTabSz="914400" rtl="0" eaLnBrk="1" fontAlgn="auto" latinLnBrk="0" hangingPunct="1">
+              <a:lnSpc>
+                <a:spcPct val="100000"/>
+              </a:lnSpc>
+              <a:spcBef>
+                <a:spcPts val="0"/>
+              </a:spcBef>
+              <a:spcAft>
+                <a:spcPts val="0"/>
+              </a:spcAft>
+              <a:buClrTx/>
+              <a:buSzTx/>
+              <a:buFontTx/>
+              <a:buNone/>
+              <a:tabLst/>
+              <a:defRPr/>
+            </a:pPr>
+            <a:endParaRPr kumimoji="0" lang="en-US" sz="1800" b="0" i="0" u="none" strike="noStrike" kern="1200" cap="none" spc="0" normalizeH="0" baseline="0" noProof="0">
+              <a:ln>
+                <a:noFill/>
+              </a:ln>
+              <a:solidFill>
+                <a:srgbClr val="000000"/>
+              </a:solidFill>
+              <a:effectLst/>
+              <a:uLnTx/>
+              <a:uFillTx/>
+              <a:latin typeface="Calibri" panose="020F0502020204030204"/>
+              <a:ea typeface="+mn-ea"/>
+              <a:cs typeface="+mn-cs"/>
+            </a:endParaRPr>
+          </a:p>
+        </p:txBody>
+      </p:sp>
+      <p:sp>
+        <p:nvSpPr>
+          <p:cNvPr id="2" name="Título 1">
+            <a:extLst>
+              <a:ext uri="{FF2B5EF4-FFF2-40B4-BE49-F238E27FC236}">
+                <a16:creationId xmlns:a16="http://schemas.microsoft.com/office/drawing/2014/main" id="{8D329D92-C80B-C5E2-CDBB-BEA14DBC0F36}"/>
+              </a:ext>
+            </a:extLst>
+          </p:cNvPr>
+          <p:cNvSpPr>
+            <a:spLocks noGrp="1"/>
+          </p:cNvSpPr>
+          <p:nvPr>
+            <p:ph type="title"/>
+          </p:nvPr>
+        </p:nvSpPr>
+        <p:spPr>
+          <a:xfrm>
+            <a:off x="5894962" y="479493"/>
+            <a:ext cx="5458838" cy="1325563"/>
+          </a:xfrm>
+        </p:spPr>
+        <p:txBody>
+          <a:bodyPr>
+            <a:normAutofit/>
+          </a:bodyPr>
+          <a:lstStyle/>
+          <a:p>
+            <a:r>
+              <a:rPr lang="es-MX" dirty="0"/>
+              <a:t>EXPOSITOR</a:t>
+            </a:r>
+            <a:endParaRPr lang="es-GT" dirty="0"/>
+          </a:p>
+        </p:txBody>
+      </p:sp>
+      <p:sp>
+        <p:nvSpPr>
+          <p:cNvPr id="14" name="Freeform: Shape 13">
+            <a:extLst>
+              <a:ext uri="{FF2B5EF4-FFF2-40B4-BE49-F238E27FC236}">
+                <a16:creationId xmlns:a16="http://schemas.microsoft.com/office/drawing/2014/main" id="{0007FE00-9498-4706-B255-6437B0252C02}"/>
+              </a:ext>
+              <a:ext uri="{C183D7F6-B498-43B3-948B-1728B52AA6E4}">
+                <adec:decorative xmlns:adec="http://schemas.microsoft.com/office/drawing/2017/decorative" val="1"/>
+              </a:ext>
+            </a:extLst>
+          </p:cNvPr>
+          <p:cNvSpPr>
+            <a:spLocks noGrp="1" noRot="1" noChangeAspect="1" noMove="1" noResize="1" noEditPoints="1" noAdjustHandles="1" noChangeArrowheads="1" noChangeShapeType="1" noTextEdit="1"/>
+          </p:cNvSpPr>
+          <p:nvPr>
+            <p:extLst>
+              <p:ext uri="{386F3935-93C4-4BCD-93E2-E3B085C9AB24}">
+                <p16:designElem xmlns:p16="http://schemas.microsoft.com/office/powerpoint/2015/main" val="1"/>
+              </p:ext>
+            </p:extLst>
+          </p:nvPr>
+        </p:nvSpPr>
+        <p:spPr>
+          <a:xfrm flipH="1">
+            <a:off x="0" y="5486400"/>
+            <a:ext cx="2672863" cy="1371600"/>
+          </a:xfrm>
+          <a:custGeom>
+            <a:avLst/>
+            <a:gdLst>
+              <a:gd name="connsiteX0" fmla="*/ 1721734 w 2672863"/>
+              <a:gd name="connsiteY0" fmla="*/ 0 h 1371600"/>
+              <a:gd name="connsiteX1" fmla="*/ 2564444 w 2672863"/>
+              <a:gd name="connsiteY1" fmla="*/ 213382 h 1371600"/>
+              <a:gd name="connsiteX2" fmla="*/ 2672863 w 2672863"/>
+              <a:gd name="connsiteY2" fmla="*/ 279248 h 1371600"/>
+              <a:gd name="connsiteX3" fmla="*/ 2672863 w 2672863"/>
+              <a:gd name="connsiteY3" fmla="*/ 1371600 h 1371600"/>
+              <a:gd name="connsiteX4" fmla="*/ 0 w 2672863"/>
+              <a:gd name="connsiteY4" fmla="*/ 1371600 h 1371600"/>
+              <a:gd name="connsiteX5" fmla="*/ 33268 w 2672863"/>
+              <a:gd name="connsiteY5" fmla="*/ 1242216 h 1371600"/>
+              <a:gd name="connsiteX6" fmla="*/ 1721734 w 2672863"/>
+              <a:gd name="connsiteY6" fmla="*/ 0 h 1371600"/>
+            </a:gdLst>
+            <a:ahLst/>
+            <a:cxnLst>
+              <a:cxn ang="0">
+                <a:pos x="connsiteX0" y="connsiteY0"/>
+              </a:cxn>
+              <a:cxn ang="0">
+                <a:pos x="connsiteX1" y="connsiteY1"/>
+              </a:cxn>
+              <a:cxn ang="0">
+                <a:pos x="connsiteX2" y="connsiteY2"/>
+              </a:cxn>
+              <a:cxn ang="0">
+                <a:pos x="connsiteX3" y="connsiteY3"/>
+              </a:cxn>
+              <a:cxn ang="0">
+                <a:pos x="connsiteX4" y="connsiteY4"/>
+              </a:cxn>
+              <a:cxn ang="0">
+                <a:pos x="connsiteX5" y="connsiteY5"/>
+              </a:cxn>
+              <a:cxn ang="0">
+                <a:pos x="connsiteX6" y="connsiteY6"/>
+              </a:cxn>
+            </a:cxnLst>
+            <a:rect l="l" t="t" r="r" b="b"/>
+            <a:pathLst>
+              <a:path w="2672863" h="1371600">
+                <a:moveTo>
+                  <a:pt x="1721734" y="0"/>
+                </a:moveTo>
+                <a:cubicBezTo>
+                  <a:pt x="2026863" y="0"/>
+                  <a:pt x="2313937" y="77299"/>
+                  <a:pt x="2564444" y="213382"/>
+                </a:cubicBezTo>
+                <a:lnTo>
+                  <a:pt x="2672863" y="279248"/>
+                </a:lnTo>
+                <a:lnTo>
+                  <a:pt x="2672863" y="1371600"/>
+                </a:lnTo>
+                <a:lnTo>
+                  <a:pt x="0" y="1371600"/>
+                </a:lnTo>
+                <a:lnTo>
+                  <a:pt x="33268" y="1242216"/>
+                </a:lnTo>
+                <a:cubicBezTo>
+                  <a:pt x="257110" y="522539"/>
+                  <a:pt x="928399" y="0"/>
+                  <a:pt x="1721734" y="0"/>
+                </a:cubicBezTo>
+                <a:close/>
+              </a:path>
+            </a:pathLst>
+          </a:custGeom>
+          <a:solidFill>
+            <a:schemeClr val="accent4"/>
+          </a:solidFill>
+          <a:ln>
+            <a:noFill/>
+          </a:ln>
+        </p:spPr>
+        <p:style>
+          <a:lnRef idx="2">
+            <a:schemeClr val="accent1">
+              <a:shade val="50000"/>
+            </a:schemeClr>
+          </a:lnRef>
+          <a:fillRef idx="1">
+            <a:schemeClr val="accent1"/>
+          </a:fillRef>
+          <a:effectRef idx="0">
+            <a:schemeClr val="accent1"/>
+          </a:effectRef>
+          <a:fontRef idx="minor">
+            <a:schemeClr val="lt1"/>
+          </a:fontRef>
+        </p:style>
+        <p:txBody>
+          <a:bodyPr wrap="square" rtlCol="0" anchor="ctr">
+            <a:noAutofit/>
+          </a:bodyPr>
+          <a:lstStyle/>
+          <a:p>
+            <a:pPr algn="ctr"/>
+            <a:endParaRPr lang="en-US"/>
+          </a:p>
+        </p:txBody>
+      </p:sp>
+      <p:pic>
+        <p:nvPicPr>
+          <p:cNvPr id="5" name="Imagen 4" descr="Código QR&#10;&#10;Descripción generada automáticamente">
+            <a:extLst>
+              <a:ext uri="{FF2B5EF4-FFF2-40B4-BE49-F238E27FC236}">
+                <a16:creationId xmlns:a16="http://schemas.microsoft.com/office/drawing/2014/main" id="{57D4595D-52ED-E906-44B1-24C886D2D7E8}"/>
+              </a:ext>
+            </a:extLst>
+          </p:cNvPr>
+          <p:cNvPicPr>
+            <a:picLocks noChangeAspect="1"/>
+          </p:cNvPicPr>
+          <p:nvPr/>
+        </p:nvPicPr>
+        <p:blipFill>
+          <a:blip r:embed="rId2">
+            <a:extLst>
+              <a:ext uri="{28A0092B-C50C-407E-A947-70E740481C1C}">
+                <a14:useLocalDpi xmlns:a14="http://schemas.microsoft.com/office/drawing/2010/main" val="0"/>
+              </a:ext>
+            </a:extLst>
+          </a:blip>
+          <a:stretch>
+            <a:fillRect/>
+          </a:stretch>
+        </p:blipFill>
+        <p:spPr>
+          <a:xfrm>
+            <a:off x="703182" y="598509"/>
+            <a:ext cx="4777381" cy="5491238"/>
+          </a:xfrm>
+          <a:custGeom>
+            <a:avLst/>
+            <a:gdLst/>
+            <a:ahLst/>
+            <a:cxnLst/>
+            <a:rect l="l" t="t" r="r" b="b"/>
+            <a:pathLst>
+              <a:path w="4777381" h="5643794">
+                <a:moveTo>
+                  <a:pt x="143704" y="0"/>
+                </a:moveTo>
+                <a:lnTo>
+                  <a:pt x="4633677" y="0"/>
+                </a:lnTo>
+                <a:cubicBezTo>
+                  <a:pt x="4713043" y="0"/>
+                  <a:pt x="4777381" y="64338"/>
+                  <a:pt x="4777381" y="143704"/>
+                </a:cubicBezTo>
+                <a:lnTo>
+                  <a:pt x="4777381" y="5500090"/>
+                </a:lnTo>
+                <a:cubicBezTo>
+                  <a:pt x="4777381" y="5579456"/>
+                  <a:pt x="4713043" y="5643794"/>
+                  <a:pt x="4633677" y="5643794"/>
+                </a:cubicBezTo>
+                <a:lnTo>
+                  <a:pt x="143704" y="5643794"/>
+                </a:lnTo>
+                <a:cubicBezTo>
+                  <a:pt x="64338" y="5643794"/>
+                  <a:pt x="0" y="5579456"/>
+                  <a:pt x="0" y="5500090"/>
+                </a:cubicBezTo>
+                <a:lnTo>
+                  <a:pt x="0" y="143704"/>
+                </a:lnTo>
+                <a:cubicBezTo>
+                  <a:pt x="0" y="64338"/>
+                  <a:pt x="64338" y="0"/>
+                  <a:pt x="143704" y="0"/>
+                </a:cubicBezTo>
+                <a:close/>
+              </a:path>
+            </a:pathLst>
+          </a:custGeom>
+        </p:spPr>
+      </p:pic>
+      <p:sp>
+        <p:nvSpPr>
+          <p:cNvPr id="3" name="Marcador de contenido 2">
+            <a:extLst>
+              <a:ext uri="{FF2B5EF4-FFF2-40B4-BE49-F238E27FC236}">
+                <a16:creationId xmlns:a16="http://schemas.microsoft.com/office/drawing/2014/main" id="{55FACABA-91B9-B384-2491-92E585EEB272}"/>
+              </a:ext>
+            </a:extLst>
+          </p:cNvPr>
+          <p:cNvSpPr>
+            <a:spLocks noGrp="1"/>
+          </p:cNvSpPr>
+          <p:nvPr>
+            <p:ph idx="1"/>
+          </p:nvPr>
+        </p:nvSpPr>
+        <p:spPr>
+          <a:xfrm>
+            <a:off x="5894962" y="1984443"/>
+            <a:ext cx="5458838" cy="4192520"/>
+          </a:xfrm>
+        </p:spPr>
+        <p:txBody>
+          <a:bodyPr>
+            <a:normAutofit/>
+          </a:bodyPr>
+          <a:lstStyle/>
+          <a:p>
+            <a:r>
+              <a:rPr lang="es-GT" b="0" i="0" dirty="0">
+                <a:effectLst/>
+                <a:latin typeface="-apple-system"/>
+                <a:hlinkClick r:id="rId3"/>
+              </a:rPr>
+              <a:t>LinkedIn</a:t>
+            </a:r>
+            <a:endParaRPr lang="es-GT" b="0" i="0" dirty="0">
+              <a:effectLst/>
+              <a:latin typeface="-apple-system"/>
+            </a:endParaRPr>
+          </a:p>
+          <a:p>
+            <a:r>
+              <a:rPr lang="es-GT" b="0" i="0" dirty="0">
+                <a:effectLst/>
+                <a:latin typeface="-apple-system"/>
+                <a:hlinkClick r:id="rId4"/>
+              </a:rPr>
+              <a:t>Facebook</a:t>
+            </a:r>
+            <a:endParaRPr lang="es-GT" b="0" i="0" dirty="0">
+              <a:effectLst/>
+              <a:latin typeface="-apple-system"/>
+            </a:endParaRPr>
+          </a:p>
+          <a:p>
+            <a:r>
+              <a:rPr lang="es-GT" b="0" i="0" dirty="0">
+                <a:effectLst/>
+                <a:latin typeface="-apple-system"/>
+                <a:hlinkClick r:id="rId5"/>
+              </a:rPr>
+              <a:t>Cuenta de YouTube</a:t>
+            </a:r>
+            <a:endParaRPr lang="es-GT" b="0" i="0" dirty="0">
+              <a:effectLst/>
+              <a:latin typeface="-apple-system"/>
+            </a:endParaRPr>
+          </a:p>
+          <a:p>
+            <a:r>
+              <a:rPr lang="es-GT" b="0" i="0" dirty="0">
+                <a:effectLst/>
+                <a:latin typeface="-apple-system"/>
+                <a:hlinkClick r:id="rId6"/>
+              </a:rPr>
+              <a:t>Repositorio educativo de </a:t>
+            </a:r>
+            <a:r>
+              <a:rPr lang="es-GT" b="0" i="0" dirty="0" err="1">
+                <a:effectLst/>
+                <a:latin typeface="-apple-system"/>
+                <a:hlinkClick r:id="rId6"/>
+              </a:rPr>
+              <a:t>Github</a:t>
+            </a:r>
+            <a:endParaRPr lang="es-GT" b="0" i="0" dirty="0">
+              <a:effectLst/>
+              <a:latin typeface="-apple-system"/>
+            </a:endParaRPr>
+          </a:p>
+          <a:p>
+            <a:r>
+              <a:rPr lang="es-GT" b="0" i="0" dirty="0">
+                <a:effectLst/>
+                <a:latin typeface="-apple-system"/>
+              </a:rPr>
+              <a:t>Instagram</a:t>
+            </a:r>
+          </a:p>
+          <a:p>
+            <a:pPr marL="0" indent="0">
+              <a:buNone/>
+            </a:pPr>
+            <a:endParaRPr lang="es-GT" b="0" i="0" dirty="0">
+              <a:effectLst/>
+              <a:latin typeface="-apple-system"/>
+            </a:endParaRPr>
+          </a:p>
+          <a:p>
+            <a:pPr marL="0" indent="0">
+              <a:buNone/>
+            </a:pPr>
+            <a:endParaRPr lang="es-GT" b="0" i="0" dirty="0">
+              <a:effectLst/>
+              <a:latin typeface="-apple-system"/>
+            </a:endParaRPr>
+          </a:p>
+          <a:p>
+            <a:pPr marL="0" indent="0">
+              <a:buNone/>
+            </a:pPr>
+            <a:endParaRPr lang="es-GT" b="0" i="0" dirty="0">
+              <a:effectLst/>
+              <a:latin typeface="-apple-system"/>
+            </a:endParaRPr>
+          </a:p>
+          <a:p>
+            <a:pPr marL="0" indent="0">
+              <a:buNone/>
+            </a:pPr>
+            <a:endParaRPr lang="es-GT" dirty="0"/>
+          </a:p>
+        </p:txBody>
+      </p:sp>
+    </p:spTree>
+    <p:extLst>
+      <p:ext uri="{BB962C8B-B14F-4D97-AF65-F5344CB8AC3E}">
+        <p14:creationId xmlns:p14="http://schemas.microsoft.com/office/powerpoint/2010/main" val="1518741165"/>
+      </p:ext>
+    </p:extLst>
+  </p:cSld>
+  <p:clrMapOvr>
+    <a:masterClrMapping/>
+  </p:clrMapOvr>
+</p:sld>
+</file>
+
+<file path=ppt/slides/slide3.xml><?xml version="1.0" encoding="utf-8"?>
+<p:sld xmlns:a="http://schemas.openxmlformats.org/drawingml/2006/main" xmlns:r="http://schemas.openxmlformats.org/officeDocument/2006/relationships" xmlns:p="http://schemas.openxmlformats.org/presentationml/2006/main">
+  <p:cSld>
+    <p:bg>
+      <p:bgPr>
+        <a:solidFill>
+          <a:schemeClr val="bg1"/>
+        </a:solidFill>
+        <a:effectLst/>
+      </p:bgPr>
+    </p:bg>
+    <p:spTree>
+      <p:nvGrpSpPr>
+        <p:cNvPr id="1" name=""/>
+        <p:cNvGrpSpPr/>
+        <p:nvPr/>
+      </p:nvGrpSpPr>
+      <p:grpSpPr>
+        <a:xfrm>
+          <a:off x="0" y="0"/>
+          <a:ext cx="0" cy="0"/>
+          <a:chOff x="0" y="0"/>
+          <a:chExt cx="0" cy="0"/>
+        </a:xfrm>
+      </p:grpSpPr>
+      <p:sp useBgFill="1">
+        <p:nvSpPr>
           <p:cNvPr id="23" name="Rectangle 22">
             <a:extLst>
               <a:ext uri="{FF2B5EF4-FFF2-40B4-BE49-F238E27FC236}">
@@ -29650,7 +30776,7 @@
 </p:sld>
 </file>
 
-<file path=ppt/slides/slide3.xml><?xml version="1.0" encoding="utf-8"?>
+<file path=ppt/slides/slide4.xml><?xml version="1.0" encoding="utf-8"?>
 <p:sld xmlns:a="http://schemas.openxmlformats.org/drawingml/2006/main" xmlns:r="http://schemas.openxmlformats.org/officeDocument/2006/relationships" xmlns:p="http://schemas.openxmlformats.org/presentationml/2006/main">
   <p:cSld>
     <p:bg>
@@ -30152,7 +31278,7 @@
 </p:sld>
 </file>
 
-<file path=ppt/slides/slide4.xml><?xml version="1.0" encoding="utf-8"?>
+<file path=ppt/slides/slide5.xml><?xml version="1.0" encoding="utf-8"?>
 <p:sld xmlns:a="http://schemas.openxmlformats.org/drawingml/2006/main" xmlns:r="http://schemas.openxmlformats.org/officeDocument/2006/relationships" xmlns:p="http://schemas.openxmlformats.org/presentationml/2006/main">
   <p:cSld>
     <p:bg>
@@ -30563,7 +31689,7 @@
 </p:sld>
 </file>
 
-<file path=ppt/slides/slide5.xml><?xml version="1.0" encoding="utf-8"?>
+<file path=ppt/slides/slide6.xml><?xml version="1.0" encoding="utf-8"?>
 <p:sld xmlns:a="http://schemas.openxmlformats.org/drawingml/2006/main" xmlns:r="http://schemas.openxmlformats.org/officeDocument/2006/relationships" xmlns:p="http://schemas.openxmlformats.org/presentationml/2006/main">
   <p:cSld>
     <p:bg>
@@ -31065,7 +32191,7 @@
 </p:sld>
 </file>
 
-<file path=ppt/slides/slide6.xml><?xml version="1.0" encoding="utf-8"?>
+<file path=ppt/slides/slide7.xml><?xml version="1.0" encoding="utf-8"?>
 <p:sld xmlns:a="http://schemas.openxmlformats.org/drawingml/2006/main" xmlns:r="http://schemas.openxmlformats.org/officeDocument/2006/relationships" xmlns:p="http://schemas.openxmlformats.org/presentationml/2006/main">
   <p:cSld>
     <p:spTree>
@@ -31145,7 +32271,7 @@
 </p:sld>
 </file>
 
-<file path=ppt/slides/slide7.xml><?xml version="1.0" encoding="utf-8"?>
+<file path=ppt/slides/slide8.xml><?xml version="1.0" encoding="utf-8"?>
 <p:sld xmlns:a="http://schemas.openxmlformats.org/drawingml/2006/main" xmlns:r="http://schemas.openxmlformats.org/officeDocument/2006/relationships" xmlns:p="http://schemas.openxmlformats.org/presentationml/2006/main">
   <p:cSld>
     <p:bg>
@@ -31515,7 +32641,7 @@
 </p:sld>
 </file>
 
-<file path=ppt/slides/slide8.xml><?xml version="1.0" encoding="utf-8"?>
+<file path=ppt/slides/slide9.xml><?xml version="1.0" encoding="utf-8"?>
 <p:sld xmlns:a="http://schemas.openxmlformats.org/drawingml/2006/main" xmlns:r="http://schemas.openxmlformats.org/officeDocument/2006/relationships" xmlns:p="http://schemas.openxmlformats.org/presentationml/2006/main">
   <p:cSld>
     <p:bg>
@@ -32179,376 +33305,6 @@
 </p:sld>
 </file>
 
-<file path=ppt/slides/slide9.xml><?xml version="1.0" encoding="utf-8"?>
-<p:sld xmlns:a="http://schemas.openxmlformats.org/drawingml/2006/main" xmlns:r="http://schemas.openxmlformats.org/officeDocument/2006/relationships" xmlns:p="http://schemas.openxmlformats.org/presentationml/2006/main">
-  <p:cSld>
-    <p:bg>
-      <p:bgPr>
-        <a:solidFill>
-          <a:schemeClr val="bg1"/>
-        </a:solidFill>
-        <a:effectLst/>
-      </p:bgPr>
-    </p:bg>
-    <p:spTree>
-      <p:nvGrpSpPr>
-        <p:cNvPr id="1" name=""/>
-        <p:cNvGrpSpPr/>
-        <p:nvPr/>
-      </p:nvGrpSpPr>
-      <p:grpSpPr>
-        <a:xfrm>
-          <a:off x="0" y="0"/>
-          <a:ext cx="0" cy="0"/>
-          <a:chOff x="0" y="0"/>
-          <a:chExt cx="0" cy="0"/>
-        </a:xfrm>
-      </p:grpSpPr>
-      <p:sp useBgFill="1">
-        <p:nvSpPr>
-          <p:cNvPr id="9" name="Rectangle 8">
-            <a:extLst>
-              <a:ext uri="{FF2B5EF4-FFF2-40B4-BE49-F238E27FC236}">
-                <a16:creationId xmlns:a16="http://schemas.microsoft.com/office/drawing/2014/main" id="{8380AD67-C5CA-4918-B4BB-C359BB03EEDD}"/>
-              </a:ext>
-              <a:ext uri="{C183D7F6-B498-43B3-948B-1728B52AA6E4}">
-                <adec:decorative xmlns:adec="http://schemas.microsoft.com/office/drawing/2017/decorative" val="1"/>
-              </a:ext>
-            </a:extLst>
-          </p:cNvPr>
-          <p:cNvSpPr>
-            <a:spLocks noGrp="1" noRot="1" noChangeAspect="1" noMove="1" noResize="1" noEditPoints="1" noAdjustHandles="1" noChangeArrowheads="1" noChangeShapeType="1" noTextEdit="1"/>
-          </p:cNvSpPr>
-          <p:nvPr>
-            <p:extLst>
-              <p:ext uri="{386F3935-93C4-4BCD-93E2-E3B085C9AB24}">
-                <p16:designElem xmlns:p16="http://schemas.microsoft.com/office/powerpoint/2015/main" val="1"/>
-              </p:ext>
-            </p:extLst>
-          </p:nvPr>
-        </p:nvSpPr>
-        <p:spPr>
-          <a:xfrm>
-            <a:off x="0" y="0"/>
-            <a:ext cx="12192000" cy="6858000"/>
-          </a:xfrm>
-          <a:prstGeom prst="rect">
-            <a:avLst/>
-          </a:prstGeom>
-          <a:ln>
-            <a:noFill/>
-          </a:ln>
-        </p:spPr>
-        <p:style>
-          <a:lnRef idx="2">
-            <a:schemeClr val="accent1">
-              <a:shade val="50000"/>
-            </a:schemeClr>
-          </a:lnRef>
-          <a:fillRef idx="1">
-            <a:schemeClr val="accent1"/>
-          </a:fillRef>
-          <a:effectRef idx="0">
-            <a:schemeClr val="accent1"/>
-          </a:effectRef>
-          <a:fontRef idx="minor">
-            <a:schemeClr val="lt1"/>
-          </a:fontRef>
-        </p:style>
-        <p:txBody>
-          <a:bodyPr rtlCol="0" anchor="ctr"/>
-          <a:lstStyle/>
-          <a:p>
-            <a:pPr algn="ctr"/>
-            <a:endParaRPr lang="en-US"/>
-          </a:p>
-        </p:txBody>
-      </p:sp>
-      <p:sp>
-        <p:nvSpPr>
-          <p:cNvPr id="2" name="Título 1">
-            <a:extLst>
-              <a:ext uri="{FF2B5EF4-FFF2-40B4-BE49-F238E27FC236}">
-                <a16:creationId xmlns:a16="http://schemas.microsoft.com/office/drawing/2014/main" id="{DF0C075E-E7A5-3A2F-14D3-C1EEC9FCED76}"/>
-              </a:ext>
-            </a:extLst>
-          </p:cNvPr>
-          <p:cNvSpPr>
-            <a:spLocks noGrp="1"/>
-          </p:cNvSpPr>
-          <p:nvPr>
-            <p:ph type="title"/>
-          </p:nvPr>
-        </p:nvSpPr>
-        <p:spPr>
-          <a:xfrm>
-            <a:off x="5080216" y="1076324"/>
-            <a:ext cx="6272784" cy="1535051"/>
-          </a:xfrm>
-        </p:spPr>
-        <p:txBody>
-          <a:bodyPr vert="horz" lIns="91440" tIns="45720" rIns="91440" bIns="45720" rtlCol="0" anchor="b">
-            <a:normAutofit/>
-          </a:bodyPr>
-          <a:lstStyle/>
-          <a:p>
-            <a:r>
-              <a:rPr lang="en-US" sz="5200"/>
-              <a:t>Orquestadores</a:t>
-            </a:r>
-          </a:p>
-        </p:txBody>
-      </p:sp>
-      <p:pic>
-        <p:nvPicPr>
-          <p:cNvPr id="5" name="Picture 4" descr="Contenedores apilados y un semirremolque en un puerto marítimo">
-            <a:extLst>
-              <a:ext uri="{FF2B5EF4-FFF2-40B4-BE49-F238E27FC236}">
-                <a16:creationId xmlns:a16="http://schemas.microsoft.com/office/drawing/2014/main" id="{5296D644-26C3-491C-A2B8-790A75115ED1}"/>
-              </a:ext>
-            </a:extLst>
-          </p:cNvPr>
-          <p:cNvPicPr>
-            <a:picLocks noChangeAspect="1"/>
-          </p:cNvPicPr>
-          <p:nvPr/>
-        </p:nvPicPr>
-        <p:blipFill>
-          <a:blip r:embed="rId2"/>
-          <a:srcRect l="34914" r="15815"/>
-          <a:stretch/>
-        </p:blipFill>
-        <p:spPr>
-          <a:xfrm>
-            <a:off x="20" y="10"/>
-            <a:ext cx="4505305" cy="6857990"/>
-          </a:xfrm>
-          <a:prstGeom prst="rect">
-            <a:avLst/>
-          </a:prstGeom>
-        </p:spPr>
-      </p:pic>
-      <p:sp>
-        <p:nvSpPr>
-          <p:cNvPr id="11" name="!!accent">
-            <a:extLst>
-              <a:ext uri="{FF2B5EF4-FFF2-40B4-BE49-F238E27FC236}">
-                <a16:creationId xmlns:a16="http://schemas.microsoft.com/office/drawing/2014/main" id="{EABAD4DA-87BA-4F70-9EF0-45C6BCF17823}"/>
-              </a:ext>
-              <a:ext uri="{C183D7F6-B498-43B3-948B-1728B52AA6E4}">
-                <adec:decorative xmlns:adec="http://schemas.microsoft.com/office/drawing/2017/decorative" val="1"/>
-              </a:ext>
-            </a:extLst>
-          </p:cNvPr>
-          <p:cNvSpPr>
-            <a:spLocks noGrp="1" noRot="1" noChangeAspect="1" noMove="1" noResize="1" noEditPoints="1" noAdjustHandles="1" noChangeArrowheads="1" noChangeShapeType="1" noTextEdit="1"/>
-          </p:cNvSpPr>
-          <p:nvPr>
-            <p:extLst>
-              <p:ext uri="{386F3935-93C4-4BCD-93E2-E3B085C9AB24}">
-                <p16:designElem xmlns:p16="http://schemas.microsoft.com/office/powerpoint/2015/main" val="1"/>
-              </p:ext>
-            </p:extLst>
-          </p:nvPr>
-        </p:nvSpPr>
-        <p:spPr>
-          <a:xfrm rot="5400000">
-            <a:off x="5317960" y="363389"/>
-            <a:ext cx="73152" cy="548640"/>
-          </a:xfrm>
-          <a:prstGeom prst="rect">
-            <a:avLst/>
-          </a:prstGeom>
-          <a:solidFill>
-            <a:schemeClr val="accent2"/>
-          </a:solidFill>
-          <a:ln>
-            <a:noFill/>
-          </a:ln>
-        </p:spPr>
-        <p:style>
-          <a:lnRef idx="2">
-            <a:schemeClr val="accent1">
-              <a:shade val="50000"/>
-            </a:schemeClr>
-          </a:lnRef>
-          <a:fillRef idx="1">
-            <a:schemeClr val="accent1"/>
-          </a:fillRef>
-          <a:effectRef idx="0">
-            <a:schemeClr val="accent1"/>
-          </a:effectRef>
-          <a:fontRef idx="minor">
-            <a:schemeClr val="lt1"/>
-          </a:fontRef>
-        </p:style>
-        <p:txBody>
-          <a:bodyPr rtlCol="0" anchor="ctr"/>
-          <a:lstStyle/>
-          <a:p>
-            <a:pPr marL="0" marR="0" lvl="0" indent="0" algn="ctr" defTabSz="914400" rtl="0" eaLnBrk="1" fontAlgn="auto" latinLnBrk="0" hangingPunct="1">
-              <a:lnSpc>
-                <a:spcPct val="100000"/>
-              </a:lnSpc>
-              <a:spcBef>
-                <a:spcPts val="0"/>
-              </a:spcBef>
-              <a:spcAft>
-                <a:spcPts val="0"/>
-              </a:spcAft>
-              <a:buClrTx/>
-              <a:buSzTx/>
-              <a:buFontTx/>
-              <a:buNone/>
-              <a:tabLst/>
-              <a:defRPr/>
-            </a:pPr>
-            <a:endParaRPr kumimoji="0" lang="en-US" sz="1800" b="0" i="0" u="none" strike="noStrike" kern="1200" cap="none" spc="0" normalizeH="0" baseline="0" noProof="0">
-              <a:ln>
-                <a:noFill/>
-              </a:ln>
-              <a:solidFill>
-                <a:prstClr val="white"/>
-              </a:solidFill>
-              <a:effectLst/>
-              <a:uLnTx/>
-              <a:uFillTx/>
-              <a:latin typeface="Calibri" panose="020F0502020204030204"/>
-              <a:ea typeface="+mn-ea"/>
-              <a:cs typeface="+mn-cs"/>
-            </a:endParaRPr>
-          </a:p>
-        </p:txBody>
-      </p:sp>
-      <p:sp>
-        <p:nvSpPr>
-          <p:cNvPr id="13" name="Rectangle 12">
-            <a:extLst>
-              <a:ext uri="{FF2B5EF4-FFF2-40B4-BE49-F238E27FC236}">
-                <a16:creationId xmlns:a16="http://schemas.microsoft.com/office/drawing/2014/main" id="{915128D9-2797-47FA-B6FE-EC24E6B8437A}"/>
-              </a:ext>
-              <a:ext uri="{C183D7F6-B498-43B3-948B-1728B52AA6E4}">
-                <adec:decorative xmlns:adec="http://schemas.microsoft.com/office/drawing/2017/decorative" val="1"/>
-              </a:ext>
-            </a:extLst>
-          </p:cNvPr>
-          <p:cNvSpPr>
-            <a:spLocks noGrp="1" noRot="1" noChangeAspect="1" noMove="1" noResize="1" noEditPoints="1" noAdjustHandles="1" noChangeArrowheads="1" noChangeShapeType="1" noTextEdit="1"/>
-          </p:cNvSpPr>
-          <p:nvPr>
-            <p:extLst>
-              <p:ext uri="{386F3935-93C4-4BCD-93E2-E3B085C9AB24}">
-                <p16:designElem xmlns:p16="http://schemas.microsoft.com/office/powerpoint/2015/main" val="1"/>
-              </p:ext>
-            </p:extLst>
-          </p:nvPr>
-        </p:nvSpPr>
-        <p:spPr>
-          <a:xfrm>
-            <a:off x="5099266" y="2935541"/>
-            <a:ext cx="6217920" cy="18288"/>
-          </a:xfrm>
-          <a:prstGeom prst="rect">
-            <a:avLst/>
-          </a:prstGeom>
-          <a:solidFill>
-            <a:srgbClr val="D5D5D5"/>
-          </a:solidFill>
-          <a:ln w="3175">
-            <a:noFill/>
-          </a:ln>
-          <a:effectLst/>
-        </p:spPr>
-        <p:style>
-          <a:lnRef idx="2">
-            <a:schemeClr val="accent1">
-              <a:shade val="50000"/>
-            </a:schemeClr>
-          </a:lnRef>
-          <a:fillRef idx="1">
-            <a:schemeClr val="accent1"/>
-          </a:fillRef>
-          <a:effectRef idx="0">
-            <a:schemeClr val="accent1"/>
-          </a:effectRef>
-          <a:fontRef idx="minor">
-            <a:schemeClr val="lt1"/>
-          </a:fontRef>
-        </p:style>
-        <p:txBody>
-          <a:bodyPr rtlCol="0" anchor="ctr"/>
-          <a:lstStyle/>
-          <a:p>
-            <a:pPr algn="ctr"/>
-            <a:endParaRPr lang="en-US">
-              <a:solidFill>
-                <a:prstClr val="white"/>
-              </a:solidFill>
-              <a:latin typeface="Calibri" panose="020F0502020204030204"/>
-            </a:endParaRPr>
-          </a:p>
-        </p:txBody>
-      </p:sp>
-      <p:sp>
-        <p:nvSpPr>
-          <p:cNvPr id="3" name="Marcador de texto 2">
-            <a:extLst>
-              <a:ext uri="{FF2B5EF4-FFF2-40B4-BE49-F238E27FC236}">
-                <a16:creationId xmlns:a16="http://schemas.microsoft.com/office/drawing/2014/main" id="{96B14B37-CAB0-4130-DEF5-5FD79B3A38F1}"/>
-              </a:ext>
-            </a:extLst>
-          </p:cNvPr>
-          <p:cNvSpPr>
-            <a:spLocks noGrp="1"/>
-          </p:cNvSpPr>
-          <p:nvPr>
-            <p:ph type="body" idx="1"/>
-          </p:nvPr>
-        </p:nvSpPr>
-        <p:spPr>
-          <a:xfrm>
-            <a:off x="5080216" y="3351276"/>
-            <a:ext cx="6272784" cy="2825686"/>
-          </a:xfrm>
-        </p:spPr>
-        <p:txBody>
-          <a:bodyPr vert="horz" lIns="91440" tIns="45720" rIns="91440" bIns="45720" rtlCol="0">
-            <a:normAutofit/>
-          </a:bodyPr>
-          <a:lstStyle/>
-          <a:p>
-            <a:r>
-              <a:rPr lang="en-US" sz="2200"/>
-              <a:t>Qué son: Herramientas que gestionan múltiples contenedores.</a:t>
-            </a:r>
-          </a:p>
-          <a:p>
-            <a:r>
-              <a:rPr lang="en-US" sz="2200"/>
-              <a:t>Principales orquestadores: Kubernetes, Docker Swarm y Docker Compose.</a:t>
-            </a:r>
-          </a:p>
-          <a:p>
-            <a:r>
-              <a:rPr lang="en-US" sz="2200"/>
-              <a:t>Funcionalidades: Balanceo de carga, escalabilidad, tolerancia a fallos.</a:t>
-            </a:r>
-          </a:p>
-        </p:txBody>
-      </p:sp>
-    </p:spTree>
-    <p:extLst>
-      <p:ext uri="{BB962C8B-B14F-4D97-AF65-F5344CB8AC3E}">
-        <p14:creationId xmlns:p14="http://schemas.microsoft.com/office/powerpoint/2010/main" val="3229133109"/>
-      </p:ext>
-    </p:extLst>
-  </p:cSld>
-  <p:clrMapOvr>
-    <a:masterClrMapping/>
-  </p:clrMapOvr>
-</p:sld>
-</file>
-
 <file path=ppt/theme/theme1.xml><?xml version="1.0" encoding="utf-8"?>
 <a:theme xmlns:a="http://schemas.openxmlformats.org/drawingml/2006/main" name="Tema de Office">
   <a:themeElements>
